--- a/DATS6501_Capstone_Final-120818.pptx
+++ b/DATS6501_Capstone_Final-120818.pptx
@@ -4953,17 +4953,682 @@
           <a:bodyPr/>
           <a:lstStyle/>
           <a:p>
-            <a:pPr marL="285750" indent="-285750">
+            <a:pPr defTabSz="182880">
+              <a:spcBef>
+                <a:spcPts val="0"/>
+              </a:spcBef>
+              <a:defRPr cap="none" sz="920">
+                <a:solidFill>
+                  <a:srgbClr val="000000"/>
+                </a:solidFill>
+                <a:latin typeface="Courier"/>
+                <a:ea typeface="Courier"/>
+                <a:cs typeface="Courier"/>
+                <a:sym typeface="Courier"/>
+              </a:defRPr>
+            </a:pPr>
+            <a:r>
+              <a:t>                                 Statespace Model Results                                 </a:t>
+            </a:r>
+          </a:p>
+          <a:p>
+            <a:pPr defTabSz="182880">
+              <a:spcBef>
+                <a:spcPts val="0"/>
+              </a:spcBef>
+              <a:defRPr cap="none" sz="920">
+                <a:solidFill>
+                  <a:srgbClr val="000000"/>
+                </a:solidFill>
+                <a:latin typeface="Courier"/>
+                <a:ea typeface="Courier"/>
+                <a:cs typeface="Courier"/>
+                <a:sym typeface="Courier"/>
+              </a:defRPr>
+            </a:pPr>
+            <a:r>
+              <a:t>==========================================================================================</a:t>
+            </a:r>
+          </a:p>
+          <a:p>
+            <a:pPr defTabSz="182880">
+              <a:spcBef>
+                <a:spcPts val="0"/>
+              </a:spcBef>
+              <a:defRPr cap="none" sz="920">
+                <a:solidFill>
+                  <a:srgbClr val="000000"/>
+                </a:solidFill>
+                <a:latin typeface="Courier"/>
+                <a:ea typeface="Courier"/>
+                <a:cs typeface="Courier"/>
+                <a:sym typeface="Courier"/>
+              </a:defRPr>
+            </a:pPr>
+            <a:r>
+              <a:t>Dep. Variable:                              Count   No. Observations:                18288</a:t>
+            </a:r>
+          </a:p>
+          <a:p>
+            <a:pPr defTabSz="182880">
+              <a:spcBef>
+                <a:spcPts val="0"/>
+              </a:spcBef>
+              <a:defRPr cap="none" sz="920">
+                <a:solidFill>
+                  <a:srgbClr val="000000"/>
+                </a:solidFill>
+                <a:latin typeface="Courier"/>
+                <a:ea typeface="Courier"/>
+                <a:cs typeface="Courier"/>
+                <a:sym typeface="Courier"/>
+              </a:defRPr>
+            </a:pPr>
+            <a:r>
+              <a:t>Model:             SARIMAX(3, 1, 3)x(5, 1, 2, 24)   Log Likelihood              -89110.817</a:t>
+            </a:r>
+          </a:p>
+          <a:p>
+            <a:pPr defTabSz="182880">
+              <a:spcBef>
+                <a:spcPts val="0"/>
+              </a:spcBef>
+              <a:defRPr cap="none" sz="920">
+                <a:solidFill>
+                  <a:srgbClr val="000000"/>
+                </a:solidFill>
+                <a:latin typeface="Courier"/>
+                <a:ea typeface="Courier"/>
+                <a:cs typeface="Courier"/>
+                <a:sym typeface="Courier"/>
+              </a:defRPr>
+            </a:pPr>
+            <a:r>
+              <a:t>Date:                            Sat, 08 Dec 2018   AIC                         178249.633</a:t>
+            </a:r>
+          </a:p>
+          <a:p>
+            <a:pPr defTabSz="182880">
+              <a:spcBef>
+                <a:spcPts val="0"/>
+              </a:spcBef>
+              <a:defRPr cap="none" sz="920">
+                <a:solidFill>
+                  <a:srgbClr val="000000"/>
+                </a:solidFill>
+                <a:latin typeface="Courier"/>
+                <a:ea typeface="Courier"/>
+                <a:cs typeface="Courier"/>
+                <a:sym typeface="Courier"/>
+              </a:defRPr>
+            </a:pPr>
+            <a:r>
+              <a:t>Time:                                    16:46:23   BIC                         178359.010</a:t>
+            </a:r>
+          </a:p>
+          <a:p>
+            <a:pPr defTabSz="182880">
+              <a:spcBef>
+                <a:spcPts val="0"/>
+              </a:spcBef>
+              <a:defRPr cap="none" sz="920">
+                <a:solidFill>
+                  <a:srgbClr val="000000"/>
+                </a:solidFill>
+                <a:latin typeface="Courier"/>
+                <a:ea typeface="Courier"/>
+                <a:cs typeface="Courier"/>
+                <a:sym typeface="Courier"/>
+              </a:defRPr>
+            </a:pPr>
+            <a:r>
+              <a:t>Sample:                                         0   HQIC                        178285.576</a:t>
+            </a:r>
+          </a:p>
+          <a:p>
+            <a:pPr defTabSz="182880">
+              <a:spcBef>
+                <a:spcPts val="0"/>
+              </a:spcBef>
+              <a:defRPr cap="none" sz="920">
+                <a:solidFill>
+                  <a:srgbClr val="000000"/>
+                </a:solidFill>
+                <a:latin typeface="Courier"/>
+                <a:ea typeface="Courier"/>
+                <a:cs typeface="Courier"/>
+                <a:sym typeface="Courier"/>
+              </a:defRPr>
+            </a:pPr>
+            <a:r>
+              <a:t>                                          - 18288                                         </a:t>
+            </a:r>
+          </a:p>
+          <a:p>
+            <a:pPr defTabSz="182880">
+              <a:spcBef>
+                <a:spcPts val="0"/>
+              </a:spcBef>
+              <a:defRPr cap="none" sz="920">
+                <a:solidFill>
+                  <a:srgbClr val="000000"/>
+                </a:solidFill>
+                <a:latin typeface="Courier"/>
+                <a:ea typeface="Courier"/>
+                <a:cs typeface="Courier"/>
+                <a:sym typeface="Courier"/>
+              </a:defRPr>
+            </a:pPr>
+            <a:r>
+              <a:t>Covariance Type:                              opg                                         </a:t>
+            </a:r>
+          </a:p>
+          <a:p>
+            <a:pPr defTabSz="182880">
+              <a:spcBef>
+                <a:spcPts val="0"/>
+              </a:spcBef>
+              <a:defRPr cap="none" sz="920">
+                <a:solidFill>
+                  <a:srgbClr val="000000"/>
+                </a:solidFill>
+                <a:latin typeface="Courier"/>
+                <a:ea typeface="Courier"/>
+                <a:cs typeface="Courier"/>
+                <a:sym typeface="Courier"/>
+              </a:defRPr>
+            </a:pPr>
+            <a:r>
+              <a:t>==============================================================================</a:t>
+            </a:r>
+          </a:p>
+          <a:p>
+            <a:pPr defTabSz="182880">
+              <a:spcBef>
+                <a:spcPts val="0"/>
+              </a:spcBef>
+              <a:defRPr cap="none" sz="920">
+                <a:solidFill>
+                  <a:srgbClr val="000000"/>
+                </a:solidFill>
+                <a:latin typeface="Courier"/>
+                <a:ea typeface="Courier"/>
+                <a:cs typeface="Courier"/>
+                <a:sym typeface="Courier"/>
+              </a:defRPr>
+            </a:pPr>
+            <a:r>
+              <a:t>                 coef    std err          z      P&gt;|z|      [0.025      0.975]</a:t>
+            </a:r>
+          </a:p>
+          <a:p>
+            <a:pPr defTabSz="182880">
+              <a:spcBef>
+                <a:spcPts val="0"/>
+              </a:spcBef>
+              <a:defRPr cap="none" sz="920">
+                <a:solidFill>
+                  <a:srgbClr val="000000"/>
+                </a:solidFill>
+                <a:latin typeface="Courier"/>
+                <a:ea typeface="Courier"/>
+                <a:cs typeface="Courier"/>
+                <a:sym typeface="Courier"/>
+              </a:defRPr>
+            </a:pPr>
+            <a:r>
+              <a:t>------------------------------------------------------------------------------</a:t>
+            </a:r>
+          </a:p>
+          <a:p>
+            <a:pPr defTabSz="182880">
+              <a:spcBef>
+                <a:spcPts val="0"/>
+              </a:spcBef>
+              <a:defRPr cap="none" sz="920">
+                <a:solidFill>
+                  <a:srgbClr val="000000"/>
+                </a:solidFill>
+                <a:latin typeface="Courier"/>
+                <a:ea typeface="Courier"/>
+                <a:cs typeface="Courier"/>
+                <a:sym typeface="Courier"/>
+              </a:defRPr>
+            </a:pPr>
+            <a:r>
+              <a:t>ar.L1          0.2101      0.028      7.435      0.000       0.155       0.265</a:t>
+            </a:r>
+          </a:p>
+          <a:p>
+            <a:pPr defTabSz="182880">
+              <a:spcBef>
+                <a:spcPts val="0"/>
+              </a:spcBef>
+              <a:defRPr cap="none" sz="920">
+                <a:solidFill>
+                  <a:srgbClr val="000000"/>
+                </a:solidFill>
+                <a:latin typeface="Courier"/>
+                <a:ea typeface="Courier"/>
+                <a:cs typeface="Courier"/>
+                <a:sym typeface="Courier"/>
+              </a:defRPr>
+            </a:pPr>
+            <a:r>
+              <a:t>ar.L2          0.9474      0.025     37.174      0.000       0.897       0.997</a:t>
+            </a:r>
+          </a:p>
+          <a:p>
+            <a:pPr defTabSz="182880">
+              <a:spcBef>
+                <a:spcPts val="0"/>
+              </a:spcBef>
+              <a:defRPr cap="none" sz="920">
+                <a:solidFill>
+                  <a:srgbClr val="000000"/>
+                </a:solidFill>
+                <a:latin typeface="Courier"/>
+                <a:ea typeface="Courier"/>
+                <a:cs typeface="Courier"/>
+                <a:sym typeface="Courier"/>
+              </a:defRPr>
+            </a:pPr>
+            <a:r>
+              <a:t>ar.L3         -0.2426      0.015    -16.624      0.000      -0.271      -0.214</a:t>
+            </a:r>
+          </a:p>
+          <a:p>
+            <a:pPr defTabSz="182880">
+              <a:spcBef>
+                <a:spcPts val="0"/>
+              </a:spcBef>
+              <a:defRPr cap="none" sz="920">
+                <a:solidFill>
+                  <a:srgbClr val="000000"/>
+                </a:solidFill>
+                <a:latin typeface="Courier"/>
+                <a:ea typeface="Courier"/>
+                <a:cs typeface="Courier"/>
+                <a:sym typeface="Courier"/>
+              </a:defRPr>
+            </a:pPr>
+            <a:r>
+              <a:t>ma.L1         -0.5336      0.028    -19.056      0.000      -0.588      -0.479</a:t>
+            </a:r>
+          </a:p>
+          <a:p>
+            <a:pPr defTabSz="182880">
+              <a:spcBef>
+                <a:spcPts val="0"/>
+              </a:spcBef>
+              <a:defRPr cap="none" sz="920">
+                <a:solidFill>
+                  <a:srgbClr val="000000"/>
+                </a:solidFill>
+                <a:latin typeface="Courier"/>
+                <a:ea typeface="Courier"/>
+                <a:cs typeface="Courier"/>
+                <a:sym typeface="Courier"/>
+              </a:defRPr>
+            </a:pPr>
+            <a:r>
+              <a:t>ma.L2         -0.9845      0.033    -29.518      0.000      -1.050      -0.919</a:t>
+            </a:r>
+          </a:p>
+          <a:p>
+            <a:pPr defTabSz="182880">
+              <a:spcBef>
+                <a:spcPts val="0"/>
+              </a:spcBef>
+              <a:defRPr cap="none" sz="920">
+                <a:solidFill>
+                  <a:srgbClr val="000000"/>
+                </a:solidFill>
+                <a:latin typeface="Courier"/>
+                <a:ea typeface="Courier"/>
+                <a:cs typeface="Courier"/>
+                <a:sym typeface="Courier"/>
+              </a:defRPr>
+            </a:pPr>
+            <a:r>
+              <a:t>ma.L3          0.5221      0.018     29.003      0.000       0.487       0.557</a:t>
+            </a:r>
+          </a:p>
+          <a:p>
+            <a:pPr defTabSz="182880">
+              <a:spcBef>
+                <a:spcPts val="0"/>
+              </a:spcBef>
+              <a:defRPr cap="none" sz="920">
+                <a:solidFill>
+                  <a:srgbClr val="000000"/>
+                </a:solidFill>
+                <a:latin typeface="Courier"/>
+                <a:ea typeface="Courier"/>
+                <a:cs typeface="Courier"/>
+                <a:sym typeface="Courier"/>
+              </a:defRPr>
+            </a:pPr>
+            <a:r>
+              <a:t>ar.S.L24      -0.7844      0.356     -2.205      0.027      -1.482      -0.087</a:t>
+            </a:r>
+          </a:p>
+          <a:p>
+            <a:pPr defTabSz="182880">
+              <a:spcBef>
+                <a:spcPts val="0"/>
+              </a:spcBef>
+              <a:defRPr cap="none" sz="920">
+                <a:solidFill>
+                  <a:srgbClr val="000000"/>
+                </a:solidFill>
+                <a:latin typeface="Courier"/>
+                <a:ea typeface="Courier"/>
+                <a:cs typeface="Courier"/>
+                <a:sym typeface="Courier"/>
+              </a:defRPr>
+            </a:pPr>
+            <a:r>
+              <a:t>ar.S.L48      -0.0353      0.012     -3.065      0.002      -0.058      -0.013</a:t>
+            </a:r>
+          </a:p>
+          <a:p>
+            <a:pPr defTabSz="182880">
+              <a:spcBef>
+                <a:spcPts val="0"/>
+              </a:spcBef>
+              <a:defRPr cap="none" sz="920">
+                <a:solidFill>
+                  <a:srgbClr val="000000"/>
+                </a:solidFill>
+                <a:latin typeface="Courier"/>
+                <a:ea typeface="Courier"/>
+                <a:cs typeface="Courier"/>
+                <a:sym typeface="Courier"/>
+              </a:defRPr>
+            </a:pPr>
+            <a:r>
+              <a:t>ar.S.L72      -0.1049      0.022     -4.690      0.000      -0.149      -0.061</a:t>
+            </a:r>
+          </a:p>
+          <a:p>
+            <a:pPr defTabSz="182880">
+              <a:spcBef>
+                <a:spcPts val="0"/>
+              </a:spcBef>
+              <a:defRPr cap="none" sz="920">
+                <a:solidFill>
+                  <a:srgbClr val="000000"/>
+                </a:solidFill>
+                <a:latin typeface="Courier"/>
+                <a:ea typeface="Courier"/>
+                <a:cs typeface="Courier"/>
+                <a:sym typeface="Courier"/>
+              </a:defRPr>
+            </a:pPr>
+            <a:r>
+              <a:t>ar.S.L96      -0.0861      0.021     -4.115      0.000      -0.127      -0.045</a:t>
+            </a:r>
+          </a:p>
+          <a:p>
+            <a:pPr defTabSz="182880">
+              <a:spcBef>
+                <a:spcPts val="0"/>
+              </a:spcBef>
+              <a:defRPr cap="none" sz="920">
+                <a:solidFill>
+                  <a:srgbClr val="000000"/>
+                </a:solidFill>
+                <a:latin typeface="Courier"/>
+                <a:ea typeface="Courier"/>
+                <a:cs typeface="Courier"/>
+                <a:sym typeface="Courier"/>
+              </a:defRPr>
+            </a:pPr>
+            <a:r>
+              <a:t>ar.S.L120     -0.0302      0.017     -1.790      0.074      -0.063       0.003</a:t>
+            </a:r>
+          </a:p>
+          <a:p>
+            <a:pPr defTabSz="182880">
+              <a:spcBef>
+                <a:spcPts val="0"/>
+              </a:spcBef>
+              <a:defRPr cap="none" sz="920">
+                <a:solidFill>
+                  <a:srgbClr val="000000"/>
+                </a:solidFill>
+                <a:latin typeface="Courier"/>
+                <a:ea typeface="Courier"/>
+                <a:cs typeface="Courier"/>
+                <a:sym typeface="Courier"/>
+              </a:defRPr>
+            </a:pPr>
+            <a:r>
+              <a:t>ma.S.L24      -0.1236      0.356     -0.348      0.728      -0.820       0.573</a:t>
+            </a:r>
+          </a:p>
+          <a:p>
+            <a:pPr defTabSz="182880">
+              <a:spcBef>
+                <a:spcPts val="0"/>
+              </a:spcBef>
+              <a:defRPr cap="none" sz="920">
+                <a:solidFill>
+                  <a:srgbClr val="000000"/>
+                </a:solidFill>
+                <a:latin typeface="Courier"/>
+                <a:ea typeface="Courier"/>
+                <a:cs typeface="Courier"/>
+                <a:sym typeface="Courier"/>
+              </a:defRPr>
+            </a:pPr>
+            <a:r>
+              <a:t>ma.S.L48      -0.7636      0.333     -2.293      0.022      -1.416      -0.111</a:t>
+            </a:r>
+          </a:p>
+          <a:p>
+            <a:pPr defTabSz="182880">
+              <a:spcBef>
+                <a:spcPts val="0"/>
+              </a:spcBef>
+              <a:defRPr cap="none" sz="920">
+                <a:solidFill>
+                  <a:srgbClr val="000000"/>
+                </a:solidFill>
+                <a:latin typeface="Courier"/>
+                <a:ea typeface="Courier"/>
+                <a:cs typeface="Courier"/>
+                <a:sym typeface="Courier"/>
+              </a:defRPr>
+            </a:pPr>
+            <a:r>
+              <a:t>sigma2      1010.2187      3.304    305.789      0.000    1003.744    1016.694</a:t>
+            </a:r>
+          </a:p>
+          <a:p>
+            <a:pPr defTabSz="182880">
+              <a:spcBef>
+                <a:spcPts val="0"/>
+              </a:spcBef>
+              <a:defRPr cap="none" sz="920">
+                <a:solidFill>
+                  <a:srgbClr val="000000"/>
+                </a:solidFill>
+                <a:latin typeface="Courier"/>
+                <a:ea typeface="Courier"/>
+                <a:cs typeface="Courier"/>
+                <a:sym typeface="Courier"/>
+              </a:defRPr>
+            </a:pPr>
+            <a:r>
+              <a:t>===================================================================================</a:t>
+            </a:r>
+          </a:p>
+          <a:p>
+            <a:pPr defTabSz="182880">
+              <a:spcBef>
+                <a:spcPts val="0"/>
+              </a:spcBef>
+              <a:defRPr cap="none" sz="920">
+                <a:solidFill>
+                  <a:srgbClr val="000000"/>
+                </a:solidFill>
+                <a:latin typeface="Courier"/>
+                <a:ea typeface="Courier"/>
+                <a:cs typeface="Courier"/>
+                <a:sym typeface="Courier"/>
+              </a:defRPr>
+            </a:pPr>
+            <a:r>
+              <a:t>Ljung-Box (Q):                      192.00   Jarque-Bera (JB):            474958.53</a:t>
+            </a:r>
+          </a:p>
+          <a:p>
+            <a:pPr defTabSz="182880">
+              <a:spcBef>
+                <a:spcPts val="0"/>
+              </a:spcBef>
+              <a:defRPr cap="none" sz="920">
+                <a:solidFill>
+                  <a:srgbClr val="000000"/>
+                </a:solidFill>
+                <a:latin typeface="Courier"/>
+                <a:ea typeface="Courier"/>
+                <a:cs typeface="Courier"/>
+                <a:sym typeface="Courier"/>
+              </a:defRPr>
+            </a:pPr>
+            <a:r>
+              <a:t>Prob(Q):                              0.00   Prob(JB):                         0.00</a:t>
+            </a:r>
+          </a:p>
+          <a:p>
+            <a:pPr defTabSz="182880">
+              <a:spcBef>
+                <a:spcPts val="0"/>
+              </a:spcBef>
+              <a:defRPr cap="none" sz="920">
+                <a:solidFill>
+                  <a:srgbClr val="000000"/>
+                </a:solidFill>
+                <a:latin typeface="Courier"/>
+                <a:ea typeface="Courier"/>
+                <a:cs typeface="Courier"/>
+                <a:sym typeface="Courier"/>
+              </a:defRPr>
+            </a:pPr>
+            <a:r>
+              <a:t>Heteroskedasticity (H):              25.83   Skew:                             2.18</a:t>
+            </a:r>
+          </a:p>
+          <a:p>
+            <a:pPr defTabSz="182880">
+              <a:spcBef>
+                <a:spcPts val="0"/>
+              </a:spcBef>
+              <a:defRPr cap="none" sz="920">
+                <a:solidFill>
+                  <a:srgbClr val="000000"/>
+                </a:solidFill>
+                <a:latin typeface="Courier"/>
+                <a:ea typeface="Courier"/>
+                <a:cs typeface="Courier"/>
+                <a:sym typeface="Courier"/>
+              </a:defRPr>
+            </a:pPr>
+            <a:r>
+              <a:t>Prob(H) (two-sided):                  0.00   Kurtosis:                        27.60</a:t>
+            </a:r>
+          </a:p>
+          <a:p>
+            <a:pPr defTabSz="182880">
+              <a:spcBef>
+                <a:spcPts val="0"/>
+              </a:spcBef>
+              <a:defRPr cap="none" sz="920">
+                <a:solidFill>
+                  <a:srgbClr val="000000"/>
+                </a:solidFill>
+                <a:latin typeface="Courier"/>
+                <a:ea typeface="Courier"/>
+                <a:cs typeface="Courier"/>
+                <a:sym typeface="Courier"/>
+              </a:defRPr>
+            </a:pPr>
+            <a:r>
+              <a:t>===================================================================================</a:t>
+            </a:r>
+          </a:p>
+          <a:p>
+            <a:pPr defTabSz="182880">
+              <a:spcBef>
+                <a:spcPts val="0"/>
+              </a:spcBef>
+              <a:defRPr cap="none" sz="920">
+                <a:solidFill>
+                  <a:srgbClr val="000000"/>
+                </a:solidFill>
+                <a:latin typeface="Courier"/>
+                <a:ea typeface="Courier"/>
+                <a:cs typeface="Courier"/>
+                <a:sym typeface="Courier"/>
+              </a:defRPr>
+            </a:pPr>
+          </a:p>
+          <a:p>
+            <a:pPr defTabSz="182880">
+              <a:spcBef>
+                <a:spcPts val="0"/>
+              </a:spcBef>
+              <a:defRPr cap="none" sz="920">
+                <a:solidFill>
+                  <a:srgbClr val="000000"/>
+                </a:solidFill>
+                <a:latin typeface="Courier"/>
+                <a:ea typeface="Courier"/>
+                <a:cs typeface="Courier"/>
+                <a:sym typeface="Courier"/>
+              </a:defRPr>
+            </a:pPr>
+            <a:r>
+              <a:t>Warnings:</a:t>
+            </a:r>
+          </a:p>
+          <a:p>
+            <a:pPr defTabSz="182880">
+              <a:spcBef>
+                <a:spcPts val="0"/>
+              </a:spcBef>
+              <a:defRPr cap="none" sz="920">
+                <a:solidFill>
+                  <a:srgbClr val="000000"/>
+                </a:solidFill>
+                <a:latin typeface="Courier"/>
+                <a:ea typeface="Courier"/>
+                <a:cs typeface="Courier"/>
+                <a:sym typeface="Courier"/>
+              </a:defRPr>
+            </a:pPr>
+            <a:r>
+              <a:t>[1] Covariance matrix calculated using the outer product of gradients (complex-step).</a:t>
+            </a:r>
+          </a:p>
+          <a:p>
+            <a:pPr marL="114300" indent="-114300" defTabSz="182880">
               <a:lnSpc>
                 <a:spcPct val="150000"/>
               </a:lnSpc>
+              <a:spcBef>
+                <a:spcPts val="200"/>
+              </a:spcBef>
               <a:buClr>
                 <a:schemeClr val="accent2"/>
               </a:buClr>
               <a:buSzPct val="92000"/>
               <a:buFont typeface="Arial"/>
               <a:buChar char="•"/>
-              <a:defRPr>
+              <a:defRPr sz="720">
                 <a:solidFill>
                   <a:srgbClr val="193359"/>
                 </a:solidFill>
@@ -4971,17 +5636,20 @@
             </a:pPr>
           </a:p>
           <a:p>
-            <a:pPr marL="285750" indent="-285750">
+            <a:pPr marL="114300" indent="-114300" defTabSz="182880">
               <a:lnSpc>
                 <a:spcPct val="150000"/>
               </a:lnSpc>
+              <a:spcBef>
+                <a:spcPts val="200"/>
+              </a:spcBef>
               <a:buClr>
                 <a:schemeClr val="accent2"/>
               </a:buClr>
               <a:buSzPct val="92000"/>
               <a:buFont typeface="Arial"/>
               <a:buChar char="•"/>
-              <a:defRPr>
+              <a:defRPr sz="720">
                 <a:solidFill>
                   <a:srgbClr val="193359"/>
                 </a:solidFill>
@@ -4989,17 +5657,20 @@
             </a:pPr>
           </a:p>
           <a:p>
-            <a:pPr marL="285750" indent="-285750">
+            <a:pPr marL="114300" indent="-114300" defTabSz="182880">
               <a:lnSpc>
                 <a:spcPct val="150000"/>
               </a:lnSpc>
+              <a:spcBef>
+                <a:spcPts val="200"/>
+              </a:spcBef>
               <a:buClr>
                 <a:schemeClr val="accent2"/>
               </a:buClr>
               <a:buSzPct val="92000"/>
               <a:buFont typeface="Arial"/>
               <a:buChar char="•"/>
-              <a:defRPr>
+              <a:defRPr sz="720">
                 <a:solidFill>
                   <a:srgbClr val="193359"/>
                 </a:solidFill>
@@ -5007,17 +5678,20 @@
             </a:pPr>
           </a:p>
           <a:p>
-            <a:pPr marL="285750" indent="-285750">
+            <a:pPr marL="114300" indent="-114300" defTabSz="182880">
               <a:lnSpc>
                 <a:spcPct val="150000"/>
               </a:lnSpc>
+              <a:spcBef>
+                <a:spcPts val="200"/>
+              </a:spcBef>
               <a:buClr>
                 <a:schemeClr val="accent2"/>
               </a:buClr>
               <a:buSzPct val="92000"/>
               <a:buFont typeface="Arial"/>
               <a:buChar char="•"/>
-              <a:defRPr>
+              <a:defRPr sz="720">
                 <a:solidFill>
                   <a:srgbClr val="193359"/>
                 </a:solidFill>
@@ -5025,29 +5699,11 @@
             </a:pPr>
           </a:p>
           <a:p>
-            <a:pPr marL="285750" indent="-285750">
-              <a:lnSpc>
-                <a:spcPct val="150000"/>
-              </a:lnSpc>
-              <a:buClr>
-                <a:schemeClr val="accent2"/>
-              </a:buClr>
-              <a:buSzPct val="92000"/>
-              <a:buFont typeface="Arial"/>
-              <a:buChar char="•"/>
-              <a:defRPr>
-                <a:solidFill>
-                  <a:srgbClr val="193359"/>
-                </a:solidFill>
-              </a:defRPr>
-            </a:pPr>
-          </a:p>
-          <a:p>
-            <a:pPr>
+            <a:pPr defTabSz="182880">
               <a:spcBef>
                 <a:spcPts val="0"/>
               </a:spcBef>
-              <a:defRPr cap="none" sz="1400">
+              <a:defRPr cap="none" sz="560">
                 <a:solidFill>
                   <a:srgbClr val="333333"/>
                 </a:solidFill>
@@ -5059,11 +5715,11 @@
             </a:pPr>
           </a:p>
           <a:p>
-            <a:pPr>
+            <a:pPr defTabSz="182880">
               <a:spcBef>
                 <a:spcPts val="0"/>
               </a:spcBef>
-              <a:defRPr cap="none" sz="1400">
+              <a:defRPr cap="none" sz="560">
                 <a:solidFill>
                   <a:srgbClr val="333333"/>
                 </a:solidFill>
@@ -5075,11 +5731,11 @@
             </a:pPr>
           </a:p>
           <a:p>
-            <a:pPr>
+            <a:pPr defTabSz="182880">
               <a:spcBef>
                 <a:spcPts val="0"/>
               </a:spcBef>
-              <a:defRPr b="1" cap="none" sz="1000">
+              <a:defRPr b="1" cap="none" sz="400">
                 <a:solidFill>
                   <a:srgbClr val="000000"/>
                 </a:solidFill>
@@ -8794,7 +9450,7 @@
               </a:defRPr>
             </a:pPr>
             <a:r>
-              <a:t>Stochastic - unconditional going probability does not change when shifted in time</a:t>
+              <a:t>Stochastic - unconditional joint probability does not change when shifted in time</a:t>
             </a:r>
           </a:p>
           <a:p>
